--- a/aina-getting-started-researchers.pptx
+++ b/aina-getting-started-researchers.pptx
@@ -5,7 +5,7 @@
     <p:sldMasterId id="2147483648" r:id="rId1"/>
   </p:sldMasterIdLst>
   <p:notesMasterIdLst>
-    <p:notesMasterId r:id="rId16"/>
+    <p:notesMasterId r:id="rId17"/>
   </p:notesMasterIdLst>
   <p:sldIdLst>
     <p:sldId id="437" r:id="rId2"/>
@@ -19,9 +19,10 @@
     <p:sldId id="426" r:id="rId10"/>
     <p:sldId id="431" r:id="rId11"/>
     <p:sldId id="433" r:id="rId12"/>
-    <p:sldId id="336" r:id="rId13"/>
-    <p:sldId id="434" r:id="rId14"/>
-    <p:sldId id="432" r:id="rId15"/>
+    <p:sldId id="439" r:id="rId13"/>
+    <p:sldId id="336" r:id="rId14"/>
+    <p:sldId id="434" r:id="rId15"/>
+    <p:sldId id="432" r:id="rId16"/>
   </p:sldIdLst>
   <p:sldSz cx="12192000" cy="6858000"/>
   <p:notesSz cx="6858000" cy="9144000"/>
@@ -1840,7 +1841,7 @@
           <a:p>
             <a:fld id="{503F064B-41F2-4661-BDF0-BFD135E9A557}" type="datetimeFigureOut">
               <a:rPr lang="en-US" smtClean="0"/>
-              <a:t>11/9/2021</a:t>
+              <a:t>11/22/2021</a:t>
             </a:fld>
             <a:endParaRPr lang="en-US"/>
           </a:p>
@@ -2541,33 +2542,6 @@
                 <a:srgbClr val="CF3338"/>
               </a:buClr>
             </a:pPr>
-            <a:r>
-              <a:rPr lang="en-US" sz="1200" i="1" dirty="0">
-                <a:solidFill>
-                  <a:srgbClr val="707070"/>
-                </a:solidFill>
-                <a:latin typeface="Pragmatica" panose="020B0403040502020204" pitchFamily="34" charset="0"/>
-              </a:rPr>
-              <a:t>By the end of this book, you should be able to conduct exploratory data analysis and</a:t>
-            </a:r>
-          </a:p>
-          <a:p>
-            <a:pPr>
-              <a:buClr>
-                <a:srgbClr val="CF3338"/>
-              </a:buClr>
-            </a:pPr>
-            <a:r>
-              <a:rPr lang="en-US" sz="1200" i="1" dirty="0">
-                <a:solidFill>
-                  <a:srgbClr val="707070"/>
-                </a:solidFill>
-                <a:latin typeface="Pragmatica" panose="020B0403040502020204" pitchFamily="34" charset="0"/>
-              </a:rPr>
-              <a:t>hypothesis testing using a programming language.</a:t>
-            </a:r>
-          </a:p>
-          <a:p>
             <a:endParaRPr lang="en-US" dirty="0"/>
           </a:p>
         </p:txBody>
@@ -2599,6 +2573,95 @@
     <p:extLst>
       <p:ext uri="{BB962C8B-B14F-4D97-AF65-F5344CB8AC3E}">
         <p14:creationId xmlns:p14="http://schemas.microsoft.com/office/powerpoint/2010/main" val="1725553896"/>
+      </p:ext>
+    </p:extLst>
+  </p:cSld>
+  <p:clrMapOvr>
+    <a:masterClrMapping/>
+  </p:clrMapOvr>
+</p:notes>
+</file>
+
+<file path=ppt/notesSlides/notesSlide6.xml><?xml version="1.0" encoding="utf-8"?>
+<p:notes xmlns:a="http://schemas.openxmlformats.org/drawingml/2006/main" xmlns:r="http://schemas.openxmlformats.org/officeDocument/2006/relationships" xmlns:p="http://schemas.openxmlformats.org/presentationml/2006/main">
+  <p:cSld>
+    <p:spTree>
+      <p:nvGrpSpPr>
+        <p:cNvPr id="1" name=""/>
+        <p:cNvGrpSpPr/>
+        <p:nvPr/>
+      </p:nvGrpSpPr>
+      <p:grpSpPr>
+        <a:xfrm>
+          <a:off x="0" y="0"/>
+          <a:ext cx="0" cy="0"/>
+          <a:chOff x="0" y="0"/>
+          <a:chExt cx="0" cy="0"/>
+        </a:xfrm>
+      </p:grpSpPr>
+      <p:sp>
+        <p:nvSpPr>
+          <p:cNvPr id="2" name="Slide Image Placeholder 1"/>
+          <p:cNvSpPr>
+            <a:spLocks noGrp="1" noRot="1" noChangeAspect="1"/>
+          </p:cNvSpPr>
+          <p:nvPr>
+            <p:ph type="sldImg"/>
+          </p:nvPr>
+        </p:nvSpPr>
+        <p:spPr/>
+      </p:sp>
+      <p:sp>
+        <p:nvSpPr>
+          <p:cNvPr id="3" name="Notes Placeholder 2"/>
+          <p:cNvSpPr>
+            <a:spLocks noGrp="1"/>
+          </p:cNvSpPr>
+          <p:nvPr>
+            <p:ph type="body" idx="1"/>
+          </p:nvPr>
+        </p:nvSpPr>
+        <p:spPr/>
+        <p:txBody>
+          <a:bodyPr/>
+          <a:lstStyle/>
+          <a:p>
+            <a:pPr>
+              <a:buClr>
+                <a:srgbClr val="CF3338"/>
+              </a:buClr>
+            </a:pPr>
+            <a:endParaRPr lang="en-US" dirty="0"/>
+          </a:p>
+        </p:txBody>
+      </p:sp>
+      <p:sp>
+        <p:nvSpPr>
+          <p:cNvPr id="4" name="Slide Number Placeholder 3"/>
+          <p:cNvSpPr>
+            <a:spLocks noGrp="1"/>
+          </p:cNvSpPr>
+          <p:nvPr>
+            <p:ph type="sldNum" sz="quarter" idx="5"/>
+          </p:nvPr>
+        </p:nvSpPr>
+        <p:spPr/>
+        <p:txBody>
+          <a:bodyPr/>
+          <a:lstStyle/>
+          <a:p>
+            <a:fld id="{3BB66621-ADCC-4EF8-8003-B9D3E881DCD2}" type="slidenum">
+              <a:rPr lang="en-US" smtClean="0"/>
+              <a:t>12</a:t>
+            </a:fld>
+            <a:endParaRPr lang="en-US"/>
+          </a:p>
+        </p:txBody>
+      </p:sp>
+    </p:spTree>
+    <p:extLst>
+      <p:ext uri="{BB962C8B-B14F-4D97-AF65-F5344CB8AC3E}">
+        <p14:creationId xmlns:p14="http://schemas.microsoft.com/office/powerpoint/2010/main" val="847147190"/>
       </p:ext>
     </p:extLst>
   </p:cSld>
@@ -2737,7 +2800,7 @@
           <a:p>
             <a:fld id="{0138B082-EFC2-46C1-B47C-51736C670379}" type="datetimeFigureOut">
               <a:rPr lang="en-US" smtClean="0"/>
-              <a:t>11/9/2021</a:t>
+              <a:t>11/22/2021</a:t>
             </a:fld>
             <a:endParaRPr lang="en-US"/>
           </a:p>
@@ -2905,7 +2968,7 @@
           <a:p>
             <a:fld id="{0138B082-EFC2-46C1-B47C-51736C670379}" type="datetimeFigureOut">
               <a:rPr lang="en-US" smtClean="0"/>
-              <a:t>11/9/2021</a:t>
+              <a:t>11/22/2021</a:t>
             </a:fld>
             <a:endParaRPr lang="en-US"/>
           </a:p>
@@ -3083,7 +3146,7 @@
           <a:p>
             <a:fld id="{0138B082-EFC2-46C1-B47C-51736C670379}" type="datetimeFigureOut">
               <a:rPr lang="en-US" smtClean="0"/>
-              <a:t>11/9/2021</a:t>
+              <a:t>11/22/2021</a:t>
             </a:fld>
             <a:endParaRPr lang="en-US"/>
           </a:p>
@@ -3251,7 +3314,7 @@
           <a:p>
             <a:fld id="{0138B082-EFC2-46C1-B47C-51736C670379}" type="datetimeFigureOut">
               <a:rPr lang="en-US" smtClean="0"/>
-              <a:t>11/9/2021</a:t>
+              <a:t>11/22/2021</a:t>
             </a:fld>
             <a:endParaRPr lang="en-US"/>
           </a:p>
@@ -3496,7 +3559,7 @@
           <a:p>
             <a:fld id="{0138B082-EFC2-46C1-B47C-51736C670379}" type="datetimeFigureOut">
               <a:rPr lang="en-US" smtClean="0"/>
-              <a:t>11/9/2021</a:t>
+              <a:t>11/22/2021</a:t>
             </a:fld>
             <a:endParaRPr lang="en-US"/>
           </a:p>
@@ -3725,7 +3788,7 @@
           <a:p>
             <a:fld id="{0138B082-EFC2-46C1-B47C-51736C670379}" type="datetimeFigureOut">
               <a:rPr lang="en-US" smtClean="0"/>
-              <a:t>11/9/2021</a:t>
+              <a:t>11/22/2021</a:t>
             </a:fld>
             <a:endParaRPr lang="en-US"/>
           </a:p>
@@ -4089,7 +4152,7 @@
           <a:p>
             <a:fld id="{0138B082-EFC2-46C1-B47C-51736C670379}" type="datetimeFigureOut">
               <a:rPr lang="en-US" smtClean="0"/>
-              <a:t>11/9/2021</a:t>
+              <a:t>11/22/2021</a:t>
             </a:fld>
             <a:endParaRPr lang="en-US"/>
           </a:p>
@@ -4206,7 +4269,7 @@
           <a:p>
             <a:fld id="{0138B082-EFC2-46C1-B47C-51736C670379}" type="datetimeFigureOut">
               <a:rPr lang="en-US" smtClean="0"/>
-              <a:t>11/9/2021</a:t>
+              <a:t>11/22/2021</a:t>
             </a:fld>
             <a:endParaRPr lang="en-US"/>
           </a:p>
@@ -4301,7 +4364,7 @@
           <a:p>
             <a:fld id="{0138B082-EFC2-46C1-B47C-51736C670379}" type="datetimeFigureOut">
               <a:rPr lang="en-US" smtClean="0"/>
-              <a:t>11/9/2021</a:t>
+              <a:t>11/22/2021</a:t>
             </a:fld>
             <a:endParaRPr lang="en-US"/>
           </a:p>
@@ -4576,7 +4639,7 @@
           <a:p>
             <a:fld id="{0138B082-EFC2-46C1-B47C-51736C670379}" type="datetimeFigureOut">
               <a:rPr lang="en-US" smtClean="0"/>
-              <a:t>11/9/2021</a:t>
+              <a:t>11/22/2021</a:t>
             </a:fld>
             <a:endParaRPr lang="en-US"/>
           </a:p>
@@ -4828,7 +4891,7 @@
           <a:p>
             <a:fld id="{0138B082-EFC2-46C1-B47C-51736C670379}" type="datetimeFigureOut">
               <a:rPr lang="en-US" smtClean="0"/>
-              <a:t>11/9/2021</a:t>
+              <a:t>11/22/2021</a:t>
             </a:fld>
             <a:endParaRPr lang="en-US"/>
           </a:p>
@@ -5039,7 +5102,7 @@
           <a:p>
             <a:fld id="{0138B082-EFC2-46C1-B47C-51736C670379}" type="datetimeFigureOut">
               <a:rPr lang="en-US" smtClean="0"/>
-              <a:t>11/9/2021</a:t>
+              <a:t>11/22/2021</a:t>
             </a:fld>
             <a:endParaRPr lang="en-US"/>
           </a:p>
@@ -5788,23 +5851,8 @@
               <a:rPr lang="en-US" sz="6000" dirty="0">
                 <a:latin typeface="Aliens &amp; cows" panose="00000500000000000000" pitchFamily="2" charset="0"/>
               </a:rPr>
-              <a:t>Let’s learn Python, </a:t>
-            </a:r>
-            <a:r>
-              <a:rPr lang="en-US" sz="6000" dirty="0" err="1">
-                <a:latin typeface="Aliens &amp; cows" panose="00000500000000000000" pitchFamily="2" charset="0"/>
-              </a:rPr>
-              <a:t>thrs</a:t>
-            </a:r>
-            <a:r>
-              <a:rPr lang="en-US" sz="6000">
-                <a:latin typeface="Aliens &amp; cows" panose="00000500000000000000" pitchFamily="2" charset="0"/>
-              </a:rPr>
-              <a:t> </a:t>
-            </a:r>
-            <a:endParaRPr lang="en-US" sz="6000" dirty="0">
-              <a:latin typeface="Aliens &amp; cows" panose="00000500000000000000" pitchFamily="2" charset="0"/>
-            </a:endParaRPr>
+              <a:t>Read the book</a:t>
+            </a:r>
           </a:p>
         </p:txBody>
       </p:sp>
@@ -5823,7 +5871,7 @@
         <p:spPr>
           <a:xfrm>
             <a:off x="347240" y="1465093"/>
-            <a:ext cx="6446592" cy="4708981"/>
+            <a:ext cx="6446592" cy="2308324"/>
           </a:xfrm>
           <a:prstGeom prst="rect">
             <a:avLst/>
@@ -5844,38 +5892,25 @@
               <a:buChar char="•"/>
             </a:pPr>
             <a:r>
-              <a:rPr lang="en-US" sz="2800" dirty="0">
-                <a:solidFill>
-                  <a:srgbClr val="707070"/>
-                </a:solidFill>
-                <a:latin typeface="Pragmatica" panose="020B0403040502020204" pitchFamily="34" charset="0"/>
-              </a:rPr>
-              <a:t>Get 20% off with promocode LEDGER </a:t>
-            </a:r>
-            <a:r>
-              <a:rPr lang="en-US" sz="2800" b="1" dirty="0">
+              <a:rPr lang="en-US" sz="2400" dirty="0">
                 <a:solidFill>
                   <a:srgbClr val="707070"/>
                 </a:solidFill>
                 <a:latin typeface="Pragmatica" panose="020B0403040502020204" pitchFamily="34" charset="0"/>
                 <a:hlinkClick r:id="rId4"/>
               </a:rPr>
-              <a:t>https://swiy.io/66Oy</a:t>
-            </a:r>
-            <a:endParaRPr lang="en-US" sz="2800" b="1" dirty="0">
-              <a:solidFill>
-                <a:srgbClr val="707070"/>
-              </a:solidFill>
-              <a:latin typeface="Pragmatica" panose="020B0403040502020204" pitchFamily="34" charset="0"/>
-            </a:endParaRPr>
-          </a:p>
-          <a:p>
-            <a:pPr lvl="1">
-              <a:buClr>
-                <a:srgbClr val="CF3338"/>
-              </a:buClr>
-            </a:pPr>
-            <a:endParaRPr lang="en-US" sz="2800" b="1" dirty="0">
+              <a:t>http://stringfestanalytics.com/book/</a:t>
+            </a:r>
+            <a:r>
+              <a:rPr lang="en-US" sz="2400" dirty="0">
+                <a:solidFill>
+                  <a:srgbClr val="707070"/>
+                </a:solidFill>
+                <a:latin typeface="Pragmatica" panose="020B0403040502020204" pitchFamily="34" charset="0"/>
+              </a:rPr>
+              <a:t> </a:t>
+            </a:r>
+            <a:endParaRPr lang="en-US" sz="2400" b="1" dirty="0">
               <a:solidFill>
                 <a:srgbClr val="707070"/>
               </a:solidFill>
@@ -5910,7 +5945,7 @@
                 </a:solidFill>
                 <a:latin typeface="Pragmatica" panose="020B0403040502020204" pitchFamily="34" charset="0"/>
               </a:rPr>
-              <a:t>Half-day Python workshop</a:t>
+              <a:t>Read for free on O’Reilly’s website (30 day trial, or check your library)</a:t>
             </a:r>
           </a:p>
           <a:p>
@@ -5928,89 +5963,17 @@
                 </a:solidFill>
                 <a:latin typeface="Pragmatica" panose="020B0403040502020204" pitchFamily="34" charset="0"/>
               </a:rPr>
-              <a:t>Free </a:t>
-            </a:r>
-            <a:r>
-              <a:rPr lang="en-US" sz="2400" dirty="0" err="1">
-                <a:solidFill>
-                  <a:srgbClr val="707070"/>
-                </a:solidFill>
-                <a:latin typeface="Pragmatica" panose="020B0403040502020204" pitchFamily="34" charset="0"/>
-              </a:rPr>
-              <a:t>ebook</a:t>
-            </a:r>
-            <a:r>
-              <a:rPr lang="en-US" sz="2400" dirty="0">
-                <a:solidFill>
-                  <a:srgbClr val="707070"/>
-                </a:solidFill>
-                <a:latin typeface="Pragmatica" panose="020B0403040502020204" pitchFamily="34" charset="0"/>
-              </a:rPr>
-              <a:t> copy of Advancing into Analytics</a:t>
-            </a:r>
-          </a:p>
-          <a:p>
-            <a:pPr marL="914400" lvl="1" indent="-457200">
-              <a:buClr>
-                <a:srgbClr val="CF3338"/>
-              </a:buClr>
-              <a:buFont typeface="Arial" panose="020B0604020202020204" pitchFamily="34" charset="0"/>
-              <a:buChar char="•"/>
-            </a:pPr>
-            <a:r>
-              <a:rPr lang="en-US" sz="2400" dirty="0">
-                <a:solidFill>
-                  <a:srgbClr val="707070"/>
-                </a:solidFill>
-                <a:latin typeface="Pragmatica" panose="020B0403040502020204" pitchFamily="34" charset="0"/>
-              </a:rPr>
-              <a:t>Workshop recording</a:t>
-            </a:r>
-          </a:p>
-          <a:p>
-            <a:pPr marL="914400" lvl="1" indent="-457200">
-              <a:buClr>
-                <a:srgbClr val="CF3338"/>
-              </a:buClr>
-              <a:buFont typeface="Arial" panose="020B0604020202020204" pitchFamily="34" charset="0"/>
-              <a:buChar char="•"/>
-            </a:pPr>
-            <a:r>
-              <a:rPr lang="en-US" sz="2400" dirty="0">
-                <a:solidFill>
-                  <a:srgbClr val="707070"/>
-                </a:solidFill>
-                <a:latin typeface="Pragmatica" panose="020B0403040502020204" pitchFamily="34" charset="0"/>
-              </a:rPr>
-              <a:t>Demo notes and handouts</a:t>
-            </a:r>
-          </a:p>
-          <a:p>
-            <a:pPr marL="914400" lvl="1" indent="-457200">
-              <a:buClr>
-                <a:srgbClr val="CF3338"/>
-              </a:buClr>
-              <a:buFont typeface="Arial" panose="020B0604020202020204" pitchFamily="34" charset="0"/>
-              <a:buChar char="•"/>
-            </a:pPr>
-            <a:r>
-              <a:rPr lang="en-US" sz="2400" dirty="0">
-                <a:solidFill>
-                  <a:srgbClr val="707070"/>
-                </a:solidFill>
-                <a:latin typeface="Pragmatica" panose="020B0403040502020204" pitchFamily="34" charset="0"/>
-              </a:rPr>
-              <a:t>Free download of a 90-minute video course walking through all exercises from the book </a:t>
+              <a:t>Desk copies for interested educators</a:t>
             </a:r>
           </a:p>
         </p:txBody>
       </p:sp>
       <p:pic>
         <p:nvPicPr>
-          <p:cNvPr id="1026" name="Picture 2" descr="Advancing into Analytics: Let’s learn Python">
+          <p:cNvPr id="2" name="Picture 2" descr="Advancing into Analytics Cover Image">
             <a:extLst>
               <a:ext uri="{FF2B5EF4-FFF2-40B4-BE49-F238E27FC236}">
-                <a16:creationId xmlns:a16="http://schemas.microsoft.com/office/drawing/2014/main" id="{0D21C12E-3EF0-4CDD-B817-7C5C03633994}"/>
+                <a16:creationId xmlns:a16="http://schemas.microsoft.com/office/drawing/2014/main" id="{42C190AA-0328-4A01-8C2A-89320D6725D1}"/>
               </a:ext>
             </a:extLst>
           </p:cNvPr>
@@ -6020,7 +5983,7 @@
           <p:nvPr/>
         </p:nvPicPr>
         <p:blipFill>
-          <a:blip r:embed="rId5" cstate="print">
+          <a:blip r:embed="rId5">
             <a:extLst>
               <a:ext uri="{28A0092B-C50C-407E-A947-70E740481C1C}">
                 <a14:useLocalDpi xmlns:a14="http://schemas.microsoft.com/office/drawing/2010/main" val="0"/>
@@ -6034,8 +5997,8 @@
         </p:blipFill>
         <p:spPr bwMode="auto">
           <a:xfrm>
-            <a:off x="7030007" y="3954379"/>
-            <a:ext cx="5161993" cy="2903621"/>
+            <a:off x="7634010" y="908738"/>
+            <a:ext cx="4031882" cy="5265336"/>
           </a:xfrm>
           <a:prstGeom prst="rect">
             <a:avLst/>
@@ -6091,7 +6054,7 @@
           <p:nvPr/>
         </p:nvPicPr>
         <p:blipFill rotWithShape="1">
-          <a:blip r:embed="rId2">
+          <a:blip r:embed="rId3">
             <a:extLst>
               <a:ext uri="{28A0092B-C50C-407E-A947-70E740481C1C}">
                 <a14:useLocalDpi xmlns:a14="http://schemas.microsoft.com/office/drawing/2010/main" val="0"/>
@@ -6103,38 +6066,69 @@
         </p:blipFill>
         <p:spPr>
           <a:xfrm>
-            <a:off x="8136460" y="2210765"/>
-            <a:ext cx="4055539" cy="4647236"/>
+            <a:off x="10894024" y="5370653"/>
+            <a:ext cx="1297975" cy="1487348"/>
           </a:xfrm>
           <a:prstGeom prst="rect">
             <a:avLst/>
           </a:prstGeom>
         </p:spPr>
       </p:pic>
+      <p:sp>
+        <p:nvSpPr>
+          <p:cNvPr id="11" name="TextBox 10"/>
+          <p:cNvSpPr txBox="1"/>
+          <p:nvPr/>
+        </p:nvSpPr>
+        <p:spPr>
+          <a:xfrm>
+            <a:off x="347240" y="113388"/>
+            <a:ext cx="10861534" cy="1015663"/>
+          </a:xfrm>
+          <a:prstGeom prst="rect">
+            <a:avLst/>
+          </a:prstGeom>
+          <a:noFill/>
+        </p:spPr>
+        <p:txBody>
+          <a:bodyPr wrap="square" rtlCol="0">
+            <a:spAutoFit/>
+          </a:bodyPr>
+          <a:lstStyle/>
+          <a:p>
+            <a:r>
+              <a:rPr lang="en-US" sz="6000" dirty="0">
+                <a:latin typeface="Aliens &amp; cows" panose="00000500000000000000" pitchFamily="2" charset="0"/>
+              </a:rPr>
+              <a:t>Get the swag</a:t>
+            </a:r>
+          </a:p>
+        </p:txBody>
+      </p:sp>
       <p:pic>
         <p:nvPicPr>
-          <p:cNvPr id="4" name="Picture 3"/>
+          <p:cNvPr id="3" name="Picture 2">
+            <a:extLst>
+              <a:ext uri="{FF2B5EF4-FFF2-40B4-BE49-F238E27FC236}">
+                <a16:creationId xmlns:a16="http://schemas.microsoft.com/office/drawing/2014/main" id="{85C466E2-40BB-498C-A0FF-795BA0E51ACC}"/>
+              </a:ext>
+            </a:extLst>
+          </p:cNvPr>
           <p:cNvPicPr>
             <a:picLocks noChangeAspect="1"/>
           </p:cNvPicPr>
           <p:nvPr/>
         </p:nvPicPr>
         <p:blipFill>
-          <a:blip r:embed="rId3">
-            <a:extLst>
-              <a:ext uri="{28A0092B-C50C-407E-A947-70E740481C1C}">
-                <a14:useLocalDpi xmlns:a14="http://schemas.microsoft.com/office/drawing/2010/main" val="0"/>
-              </a:ext>
-            </a:extLst>
-          </a:blip>
+          <a:blip r:embed="rId4"/>
           <a:stretch>
             <a:fillRect/>
           </a:stretch>
         </p:blipFill>
         <p:spPr>
           <a:xfrm>
-            <a:off x="-538496" y="-2482770"/>
-            <a:ext cx="10171472" cy="7459883"/>
+            <a:off x="6032360" y="2238270"/>
+            <a:ext cx="6159639" cy="4619730"/>
           </a:xfrm>
           <a:prstGeom prst="rect">
             <a:avLst/>
@@ -6143,14 +6137,20 @@
       </p:pic>
       <p:sp>
         <p:nvSpPr>
-          <p:cNvPr id="11" name="TextBox 10"/>
+          <p:cNvPr id="7" name="TextBox 6">
+            <a:extLst>
+              <a:ext uri="{FF2B5EF4-FFF2-40B4-BE49-F238E27FC236}">
+                <a16:creationId xmlns:a16="http://schemas.microsoft.com/office/drawing/2014/main" id="{2644F7B7-FA02-4E1F-807D-AAB735F0DAFF}"/>
+              </a:ext>
+            </a:extLst>
+          </p:cNvPr>
           <p:cNvSpPr txBox="1"/>
           <p:nvPr/>
         </p:nvSpPr>
         <p:spPr>
           <a:xfrm>
-            <a:off x="324091" y="1687545"/>
-            <a:ext cx="7986531" cy="1384995"/>
+            <a:off x="347240" y="1465093"/>
+            <a:ext cx="6446592" cy="2246769"/>
           </a:xfrm>
           <a:prstGeom prst="rect">
             <a:avLst/>
@@ -6163,38 +6163,110 @@
           </a:bodyPr>
           <a:lstStyle/>
           <a:p>
-            <a:r>
-              <a:rPr lang="en-US" sz="2800" b="1" dirty="0">
+            <a:pPr marL="342900" indent="-342900">
+              <a:buClr>
+                <a:srgbClr val="CF3338"/>
+              </a:buClr>
+              <a:buFont typeface="Arial" panose="020B0604020202020204" pitchFamily="34" charset="0"/>
+              <a:buChar char="•"/>
+            </a:pPr>
+            <a:r>
+              <a:rPr lang="en-US" sz="2400" dirty="0">
                 <a:solidFill>
                   <a:srgbClr val="707070"/>
                 </a:solidFill>
-                <a:latin typeface="Pragmatica" panose="020B0403040502020204" pitchFamily="34" charset="0"/>
+                <a:latin typeface="Pragmatica" pitchFamily="2" charset="0"/>
               </a:rPr>
-              <a:t>Event survey: </a:t>
-            </a:r>
-            <a:r>
-              <a:rPr lang="en-US" sz="2800" b="1" dirty="0">
+              <a:t>Resource library</a:t>
+            </a:r>
+          </a:p>
+          <a:p>
+            <a:pPr marL="342900" indent="-342900">
+              <a:buClr>
+                <a:srgbClr val="CF3338"/>
+              </a:buClr>
+              <a:buFont typeface="Arial" panose="020B0604020202020204" pitchFamily="34" charset="0"/>
+              <a:buChar char="•"/>
+            </a:pPr>
+            <a:r>
+              <a:rPr lang="en-US" sz="2400" dirty="0">
                 <a:solidFill>
                   <a:srgbClr val="707070"/>
                 </a:solidFill>
-                <a:latin typeface="Pragmatica" panose="020B0403040502020204" pitchFamily="34" charset="0"/>
-                <a:hlinkClick r:id="rId4"/>
+                <a:latin typeface="Pragmatica" pitchFamily="2" charset="0"/>
               </a:rPr>
-              <a:t>https://forms.office.com/r/0ZnD0LxpZy</a:t>
-            </a:r>
-            <a:endParaRPr lang="en-US" sz="2800" b="1" dirty="0">
+              <a:t>Memes galore</a:t>
+            </a:r>
+          </a:p>
+          <a:p>
+            <a:pPr marL="342900" indent="-342900">
+              <a:buClr>
+                <a:srgbClr val="CF3338"/>
+              </a:buClr>
+              <a:buFont typeface="Arial" panose="020B0604020202020204" pitchFamily="34" charset="0"/>
+              <a:buChar char="•"/>
+            </a:pPr>
+            <a:r>
+              <a:rPr lang="en-US" sz="2400" dirty="0">
+                <a:solidFill>
+                  <a:srgbClr val="707070"/>
+                </a:solidFill>
+                <a:latin typeface="Pragmatica" pitchFamily="2" charset="0"/>
+              </a:rPr>
+              <a:t>Discounts to upcoming courses</a:t>
+            </a:r>
+          </a:p>
+          <a:p>
+            <a:pPr marL="342900" indent="-342900">
+              <a:buClr>
+                <a:srgbClr val="CF3338"/>
+              </a:buClr>
+              <a:buFont typeface="Arial" panose="020B0604020202020204" pitchFamily="34" charset="0"/>
+              <a:buChar char="•"/>
+            </a:pPr>
+            <a:endParaRPr lang="en-US" sz="2400" dirty="0">
               <a:solidFill>
                 <a:srgbClr val="707070"/>
               </a:solidFill>
-              <a:latin typeface="Pragmatica" panose="020B0403040502020204" pitchFamily="34" charset="0"/>
+              <a:latin typeface="Pragmatica" pitchFamily="2" charset="0"/>
             </a:endParaRPr>
           </a:p>
           <a:p>
-            <a:endParaRPr lang="en-US" sz="2800" b="1" dirty="0">
+            <a:pPr marL="342900" indent="-342900">
+              <a:buClr>
+                <a:srgbClr val="CF3338"/>
+              </a:buClr>
+              <a:buFont typeface="Arial" panose="020B0604020202020204" pitchFamily="34" charset="0"/>
+              <a:buChar char="•"/>
+            </a:pPr>
+            <a:endParaRPr lang="en-US" sz="2400" dirty="0">
               <a:solidFill>
                 <a:srgbClr val="707070"/>
               </a:solidFill>
-              <a:latin typeface="Pragmatica" panose="020B0403040502020204" pitchFamily="34" charset="0"/>
+              <a:latin typeface="Pragmatica" pitchFamily="2" charset="0"/>
+            </a:endParaRPr>
+          </a:p>
+          <a:p>
+            <a:pPr>
+              <a:buClr>
+                <a:srgbClr val="CF3338"/>
+              </a:buClr>
+            </a:pPr>
+            <a:r>
+              <a:rPr lang="en-US" sz="2000" dirty="0">
+                <a:solidFill>
+                  <a:srgbClr val="707070"/>
+                </a:solidFill>
+                <a:latin typeface="Pragmatica" pitchFamily="2" charset="0"/>
+                <a:hlinkClick r:id="rId5"/>
+              </a:rPr>
+              <a:t>https://stringfestanalytics.com/subscribe/</a:t>
+            </a:r>
+            <a:endParaRPr lang="en-US" sz="2000" dirty="0">
+              <a:solidFill>
+                <a:srgbClr val="707070"/>
+              </a:solidFill>
+              <a:latin typeface="Pragmatica" pitchFamily="2" charset="0"/>
             </a:endParaRPr>
           </a:p>
         </p:txBody>
@@ -6202,7 +6274,7 @@
     </p:spTree>
     <p:extLst>
       <p:ext uri="{BB962C8B-B14F-4D97-AF65-F5344CB8AC3E}">
-        <p14:creationId xmlns:p14="http://schemas.microsoft.com/office/powerpoint/2010/main" val="2312071835"/>
+        <p14:creationId xmlns:p14="http://schemas.microsoft.com/office/powerpoint/2010/main" val="3282621201"/>
       </p:ext>
     </p:extLst>
   </p:cSld>
@@ -6297,6 +6369,153 @@
         <p:spPr>
           <a:xfrm>
             <a:off x="324091" y="1687545"/>
+            <a:ext cx="7986531" cy="1384995"/>
+          </a:xfrm>
+          <a:prstGeom prst="rect">
+            <a:avLst/>
+          </a:prstGeom>
+          <a:noFill/>
+        </p:spPr>
+        <p:txBody>
+          <a:bodyPr wrap="square" rtlCol="0">
+            <a:spAutoFit/>
+          </a:bodyPr>
+          <a:lstStyle/>
+          <a:p>
+            <a:r>
+              <a:rPr lang="en-US" sz="2800" b="1" dirty="0">
+                <a:solidFill>
+                  <a:srgbClr val="707070"/>
+                </a:solidFill>
+                <a:latin typeface="Pragmatica" panose="020B0403040502020204" pitchFamily="34" charset="0"/>
+              </a:rPr>
+              <a:t>Event survey: </a:t>
+            </a:r>
+            <a:r>
+              <a:rPr lang="en-US" sz="2800" b="1" dirty="0">
+                <a:solidFill>
+                  <a:srgbClr val="707070"/>
+                </a:solidFill>
+                <a:latin typeface="Pragmatica" panose="020B0403040502020204" pitchFamily="34" charset="0"/>
+                <a:hlinkClick r:id="rId4"/>
+              </a:rPr>
+              <a:t>https://forms.office.com/r/0ZnD0LxpZy</a:t>
+            </a:r>
+            <a:endParaRPr lang="en-US" sz="2800" b="1" dirty="0">
+              <a:solidFill>
+                <a:srgbClr val="707070"/>
+              </a:solidFill>
+              <a:latin typeface="Pragmatica" panose="020B0403040502020204" pitchFamily="34" charset="0"/>
+            </a:endParaRPr>
+          </a:p>
+          <a:p>
+            <a:endParaRPr lang="en-US" sz="2800" b="1" dirty="0">
+              <a:solidFill>
+                <a:srgbClr val="707070"/>
+              </a:solidFill>
+              <a:latin typeface="Pragmatica" panose="020B0403040502020204" pitchFamily="34" charset="0"/>
+            </a:endParaRPr>
+          </a:p>
+        </p:txBody>
+      </p:sp>
+    </p:spTree>
+    <p:extLst>
+      <p:ext uri="{BB962C8B-B14F-4D97-AF65-F5344CB8AC3E}">
+        <p14:creationId xmlns:p14="http://schemas.microsoft.com/office/powerpoint/2010/main" val="2312071835"/>
+      </p:ext>
+    </p:extLst>
+  </p:cSld>
+  <p:clrMapOvr>
+    <a:masterClrMapping/>
+  </p:clrMapOvr>
+</p:sld>
+</file>
+
+<file path=ppt/slides/slide14.xml><?xml version="1.0" encoding="utf-8"?>
+<p:sld xmlns:a="http://schemas.openxmlformats.org/drawingml/2006/main" xmlns:r="http://schemas.openxmlformats.org/officeDocument/2006/relationships" xmlns:p="http://schemas.openxmlformats.org/presentationml/2006/main">
+  <p:cSld>
+    <p:spTree>
+      <p:nvGrpSpPr>
+        <p:cNvPr id="1" name=""/>
+        <p:cNvGrpSpPr/>
+        <p:nvPr/>
+      </p:nvGrpSpPr>
+      <p:grpSpPr>
+        <a:xfrm>
+          <a:off x="0" y="0"/>
+          <a:ext cx="0" cy="0"/>
+          <a:chOff x="0" y="0"/>
+          <a:chExt cx="0" cy="0"/>
+        </a:xfrm>
+      </p:grpSpPr>
+      <p:pic>
+        <p:nvPicPr>
+          <p:cNvPr id="10" name="Picture 9"/>
+          <p:cNvPicPr>
+            <a:picLocks noChangeAspect="1"/>
+          </p:cNvPicPr>
+          <p:nvPr/>
+        </p:nvPicPr>
+        <p:blipFill rotWithShape="1">
+          <a:blip r:embed="rId2">
+            <a:extLst>
+              <a:ext uri="{28A0092B-C50C-407E-A947-70E740481C1C}">
+                <a14:useLocalDpi xmlns:a14="http://schemas.microsoft.com/office/drawing/2010/main" val="0"/>
+              </a:ext>
+            </a:extLst>
+          </a:blip>
+          <a:srcRect l="50728" t="56371"/>
+          <a:stretch/>
+        </p:blipFill>
+        <p:spPr>
+          <a:xfrm>
+            <a:off x="8136460" y="2210765"/>
+            <a:ext cx="4055539" cy="4647236"/>
+          </a:xfrm>
+          <a:prstGeom prst="rect">
+            <a:avLst/>
+          </a:prstGeom>
+        </p:spPr>
+      </p:pic>
+      <p:pic>
+        <p:nvPicPr>
+          <p:cNvPr id="4" name="Picture 3"/>
+          <p:cNvPicPr>
+            <a:picLocks noChangeAspect="1"/>
+          </p:cNvPicPr>
+          <p:nvPr/>
+        </p:nvPicPr>
+        <p:blipFill>
+          <a:blip r:embed="rId3">
+            <a:extLst>
+              <a:ext uri="{28A0092B-C50C-407E-A947-70E740481C1C}">
+                <a14:useLocalDpi xmlns:a14="http://schemas.microsoft.com/office/drawing/2010/main" val="0"/>
+              </a:ext>
+            </a:extLst>
+          </a:blip>
+          <a:stretch>
+            <a:fillRect/>
+          </a:stretch>
+        </p:blipFill>
+        <p:spPr>
+          <a:xfrm>
+            <a:off x="-538496" y="-2482770"/>
+            <a:ext cx="10171472" cy="7459883"/>
+          </a:xfrm>
+          <a:prstGeom prst="rect">
+            <a:avLst/>
+          </a:prstGeom>
+        </p:spPr>
+      </p:pic>
+      <p:sp>
+        <p:nvSpPr>
+          <p:cNvPr id="11" name="TextBox 10"/>
+          <p:cNvSpPr txBox="1"/>
+          <p:nvPr/>
+        </p:nvSpPr>
+        <p:spPr>
+          <a:xfrm>
+            <a:off x="324091" y="1687545"/>
             <a:ext cx="7986531" cy="1077218"/>
           </a:xfrm>
           <a:prstGeom prst="rect">
@@ -6343,7 +6562,7 @@
 </p:sld>
 </file>
 
-<file path=ppt/slides/slide14.xml><?xml version="1.0" encoding="utf-8"?>
+<file path=ppt/slides/slide15.xml><?xml version="1.0" encoding="utf-8"?>
 <p:sld xmlns:a="http://schemas.openxmlformats.org/drawingml/2006/main" xmlns:r="http://schemas.openxmlformats.org/officeDocument/2006/relationships" xmlns:p="http://schemas.openxmlformats.org/presentationml/2006/main">
   <p:cSld>
     <p:spTree>
@@ -7136,7 +7355,7 @@
                 </a:solidFill>
                 <a:latin typeface="Pragmatica" panose="020B0403040502020204" pitchFamily="34" charset="0"/>
               </a:rPr>
-              <a:t>Situate Excel, R and Python in the data analytics stack</a:t>
+              <a:t>Situate R and Python in the data analytics stack</a:t>
             </a:r>
           </a:p>
           <a:p>
@@ -7151,7 +7370,7 @@
                 </a:solidFill>
                 <a:latin typeface="Pragmatica" panose="020B0403040502020204" pitchFamily="34" charset="0"/>
               </a:rPr>
-              <a:t>Prepare a Windows computer to work in all three</a:t>
+              <a:t>Prepare a Windows computer to work in both</a:t>
             </a:r>
           </a:p>
           <a:p>
@@ -7166,7 +7385,7 @@
                 </a:solidFill>
                 <a:latin typeface="Pragmatica" panose="020B0403040502020204" pitchFamily="34" charset="0"/>
               </a:rPr>
-              <a:t>Run summary statistics on a dataset in all three</a:t>
+              <a:t>Summarize and visualize data in both</a:t>
             </a:r>
           </a:p>
           <a:p>
@@ -7819,7 +8038,7 @@
         <p:spPr>
           <a:xfrm>
             <a:off x="173620" y="219919"/>
-            <a:ext cx="5937813" cy="4401205"/>
+            <a:ext cx="5937813" cy="4832092"/>
           </a:xfrm>
           <a:prstGeom prst="rect">
             <a:avLst/>
@@ -7851,22 +8070,7 @@
                 </a:solidFill>
                 <a:latin typeface="Pragmatica" pitchFamily="2" charset="0"/>
               </a:rPr>
-              <a:t>Downloads and summary statistics:</a:t>
-            </a:r>
-          </a:p>
-          <a:p>
-            <a:pPr marL="971550" lvl="1" indent="-514350">
-              <a:buFont typeface="Arial" panose="020B0604020202020204" pitchFamily="34" charset="0"/>
-              <a:buChar char="•"/>
-            </a:pPr>
-            <a:r>
-              <a:rPr lang="en-US" sz="2800" b="1" dirty="0">
-                <a:solidFill>
-                  <a:srgbClr val="CF3338"/>
-                </a:solidFill>
-                <a:latin typeface="Pragmatica" pitchFamily="2" charset="0"/>
-              </a:rPr>
-              <a:t>Excel</a:t>
+              <a:t>Download,  summarize and visualize data:</a:t>
             </a:r>
           </a:p>
           <a:p>
@@ -7911,7 +8115,7 @@
                 </a:solidFill>
                 <a:latin typeface="Pragmatica" pitchFamily="2" charset="0"/>
               </a:rPr>
-              <a:t>Follow along with demo notes for each</a:t>
+              <a:t>Follow along with demo notes for both</a:t>
             </a:r>
           </a:p>
           <a:p>
@@ -7949,25 +8153,7 @@
                 </a:solidFill>
                 <a:latin typeface="Pragmatica" pitchFamily="2" charset="0"/>
               </a:rPr>
-              <a:t>File to summarize</a:t>
-            </a:r>
-            <a:r>
-              <a:rPr lang="en-US" sz="2800" b="1">
-                <a:solidFill>
-                  <a:srgbClr val="CF3338"/>
-                </a:solidFill>
-                <a:latin typeface="Pragmatica" pitchFamily="2" charset="0"/>
-              </a:rPr>
-              <a:t>: </a:t>
-            </a:r>
-            <a:r>
-              <a:rPr lang="en-US" sz="2800" b="1">
-                <a:solidFill>
-                  <a:srgbClr val="CF3338"/>
-                </a:solidFill>
-                <a:latin typeface="Consolas" panose="020B0609020204030204" pitchFamily="49" charset="0"/>
-              </a:rPr>
-              <a:t>ispy.</a:t>
+              <a:t>File to summarize: </a:t>
             </a:r>
             <a:r>
               <a:rPr lang="en-US" sz="2800" b="1" dirty="0">
@@ -7976,7 +8162,7 @@
                 </a:solidFill>
                 <a:latin typeface="Consolas" panose="020B0609020204030204" pitchFamily="49" charset="0"/>
               </a:rPr>
-              <a:t>xlsx</a:t>
+              <a:t>ispy.xlsx</a:t>
             </a:r>
           </a:p>
         </p:txBody>
